--- a/project/third presentation/2D 게임 프로그래밍 3차 발표.pptx
+++ b/project/third presentation/2D 게임 프로그래밍 3차 발표.pptx
@@ -200,7 +200,7 @@
           <a:p>
             <a:fld id="{D943B79B-4A1E-492A-BEAA-9508C099ABBD}" type="datetimeFigureOut">
               <a:rPr lang="ko-KR" altLang="en-US" smtClean="0"/>
-              <a:t>2022-10-18</a:t>
+              <a:t>2022-11-18</a:t>
             </a:fld>
             <a:endParaRPr lang="ko-KR" altLang="en-US"/>
           </a:p>
@@ -712,7 +712,7 @@
             <a:fld id="{E22A44FF-31D6-4BF9-85CD-ADCC39879120}" type="datetimeFigureOut">
               <a:rPr lang="ko-KR" altLang="en-US" smtClean="0"/>
               <a:pPr/>
-              <a:t>2022-10-18</a:t>
+              <a:t>2022-11-18</a:t>
             </a:fld>
             <a:endParaRPr lang="ko-KR" altLang="en-US" dirty="0"/>
           </a:p>
@@ -971,7 +971,7 @@
             <a:fld id="{E22A44FF-31D6-4BF9-85CD-ADCC39879120}" type="datetimeFigureOut">
               <a:rPr lang="ko-KR" altLang="en-US" smtClean="0"/>
               <a:pPr/>
-              <a:t>2022-10-18</a:t>
+              <a:t>2022-11-18</a:t>
             </a:fld>
             <a:endParaRPr lang="ko-KR" altLang="en-US" dirty="0"/>
           </a:p>
@@ -1240,7 +1240,7 @@
             <a:fld id="{E22A44FF-31D6-4BF9-85CD-ADCC39879120}" type="datetimeFigureOut">
               <a:rPr lang="ko-KR" altLang="en-US" smtClean="0"/>
               <a:pPr/>
-              <a:t>2022-10-18</a:t>
+              <a:t>2022-11-18</a:t>
             </a:fld>
             <a:endParaRPr lang="ko-KR" altLang="en-US" dirty="0"/>
           </a:p>
@@ -1499,7 +1499,7 @@
             <a:fld id="{E22A44FF-31D6-4BF9-85CD-ADCC39879120}" type="datetimeFigureOut">
               <a:rPr lang="ko-KR" altLang="en-US" smtClean="0"/>
               <a:pPr/>
-              <a:t>2022-10-18</a:t>
+              <a:t>2022-11-18</a:t>
             </a:fld>
             <a:endParaRPr lang="ko-KR" altLang="en-US" dirty="0"/>
           </a:p>
@@ -1802,7 +1802,7 @@
             <a:fld id="{E22A44FF-31D6-4BF9-85CD-ADCC39879120}" type="datetimeFigureOut">
               <a:rPr lang="ko-KR" altLang="en-US" smtClean="0"/>
               <a:pPr/>
-              <a:t>2022-10-18</a:t>
+              <a:t>2022-11-18</a:t>
             </a:fld>
             <a:endParaRPr lang="ko-KR" altLang="en-US" dirty="0"/>
           </a:p>
@@ -2159,7 +2159,7 @@
             <a:fld id="{E22A44FF-31D6-4BF9-85CD-ADCC39879120}" type="datetimeFigureOut">
               <a:rPr lang="ko-KR" altLang="en-US" smtClean="0"/>
               <a:pPr/>
-              <a:t>2022-10-18</a:t>
+              <a:t>2022-11-18</a:t>
             </a:fld>
             <a:endParaRPr lang="ko-KR" altLang="en-US" dirty="0"/>
           </a:p>
@@ -2669,7 +2669,7 @@
             <a:fld id="{E22A44FF-31D6-4BF9-85CD-ADCC39879120}" type="datetimeFigureOut">
               <a:rPr lang="ko-KR" altLang="en-US" smtClean="0"/>
               <a:pPr/>
-              <a:t>2022-10-18</a:t>
+              <a:t>2022-11-18</a:t>
             </a:fld>
             <a:endParaRPr lang="ko-KR" altLang="en-US" dirty="0"/>
           </a:p>
@@ -2840,7 +2840,7 @@
             <a:fld id="{E22A44FF-31D6-4BF9-85CD-ADCC39879120}" type="datetimeFigureOut">
               <a:rPr lang="ko-KR" altLang="en-US" smtClean="0"/>
               <a:pPr/>
-              <a:t>2022-10-18</a:t>
+              <a:t>2022-11-18</a:t>
             </a:fld>
             <a:endParaRPr lang="ko-KR" altLang="en-US" dirty="0"/>
           </a:p>
@@ -2976,7 +2976,7 @@
             <a:fld id="{E22A44FF-31D6-4BF9-85CD-ADCC39879120}" type="datetimeFigureOut">
               <a:rPr lang="ko-KR" altLang="en-US" smtClean="0"/>
               <a:pPr/>
-              <a:t>2022-10-18</a:t>
+              <a:t>2022-11-18</a:t>
             </a:fld>
             <a:endParaRPr lang="ko-KR" altLang="en-US" dirty="0"/>
           </a:p>
@@ -3331,7 +3331,7 @@
             <a:fld id="{E22A44FF-31D6-4BF9-85CD-ADCC39879120}" type="datetimeFigureOut">
               <a:rPr lang="ko-KR" altLang="en-US" smtClean="0"/>
               <a:pPr/>
-              <a:t>2022-10-18</a:t>
+              <a:t>2022-11-18</a:t>
             </a:fld>
             <a:endParaRPr lang="ko-KR" altLang="en-US" dirty="0"/>
           </a:p>
@@ -3651,7 +3651,7 @@
             <a:fld id="{E22A44FF-31D6-4BF9-85CD-ADCC39879120}" type="datetimeFigureOut">
               <a:rPr lang="ko-KR" altLang="en-US" smtClean="0"/>
               <a:pPr/>
-              <a:t>2022-10-18</a:t>
+              <a:t>2022-11-18</a:t>
             </a:fld>
             <a:endParaRPr lang="ko-KR" altLang="en-US" dirty="0"/>
           </a:p>
@@ -3910,7 +3910,7 @@
             <a:fld id="{E22A44FF-31D6-4BF9-85CD-ADCC39879120}" type="datetimeFigureOut">
               <a:rPr lang="ko-KR" altLang="en-US" smtClean="0"/>
               <a:pPr/>
-              <a:t>2022-10-18</a:t>
+              <a:t>2022-11-18</a:t>
             </a:fld>
             <a:endParaRPr lang="ko-KR" altLang="en-US" dirty="0"/>
           </a:p>
@@ -13577,7 +13577,7 @@
             </a:r>
             <a:r>
               <a:rPr lang="en-US" altLang="ko-KR" b="1" dirty="0"/>
-              <a:t>2</a:t>
+              <a:t>3</a:t>
             </a:r>
             <a:r>
               <a:rPr lang="ko-KR" altLang="en-US" b="1" dirty="0"/>
@@ -13729,14 +13729,14 @@
           <p:nvPr>
             <p:extLst>
               <p:ext uri="{D42A27DB-BD31-4B8C-83A1-F6EECF244321}">
-                <p14:modId xmlns:p14="http://schemas.microsoft.com/office/powerpoint/2010/main" val="532177609"/>
+                <p14:modId xmlns:p14="http://schemas.microsoft.com/office/powerpoint/2010/main" val="1698081208"/>
               </p:ext>
             </p:extLst>
           </p:nvPr>
         </p:nvGraphicFramePr>
         <p:xfrm>
           <a:off x="549590" y="1254595"/>
-          <a:ext cx="11074139" cy="5269392"/>
+          <a:ext cx="11074139" cy="5421792"/>
         </p:xfrm>
         <a:graphic>
           <a:graphicData uri="http://schemas.openxmlformats.org/drawingml/2006/table">
@@ -14388,7 +14388,7 @@
                           <a:latin typeface="+mj-ea"/>
                           <a:ea typeface="+mj-ea"/>
                         </a:rPr>
-                        <a:t>스테이지와 사운드 리소스 수집 필요</a:t>
+                        <a:t>리소스 수집 완료</a:t>
                       </a:r>
                       <a:endParaRPr lang="en-US" altLang="ko-KR" sz="1000" b="1" dirty="0">
                         <a:solidFill>
@@ -14459,7 +14459,7 @@
                           <a:latin typeface="+mj-ea"/>
                           <a:ea typeface="+mj-ea"/>
                         </a:rPr>
-                        <a:t>60%</a:t>
+                        <a:t>100%</a:t>
                       </a:r>
                     </a:p>
                   </a:txBody>
@@ -14784,29 +14784,7 @@
                           <a:latin typeface="+mj-ea"/>
                           <a:ea typeface="+mj-ea"/>
                         </a:rPr>
-                        <a:t>캐릭터의 움직임 완료 </a:t>
-                      </a:r>
-                      <a:endParaRPr lang="en-US" altLang="ko-KR" sz="1000" b="1" dirty="0">
-                        <a:solidFill>
-                          <a:srgbClr val="C00000"/>
-                        </a:solidFill>
-                        <a:latin typeface="+mj-ea"/>
-                        <a:ea typeface="+mj-ea"/>
-                      </a:endParaRPr>
-                    </a:p>
-                    <a:p>
-                      <a:pPr marL="0" indent="0" latinLnBrk="1">
-                        <a:buNone/>
-                      </a:pPr>
-                      <a:r>
-                        <a:rPr lang="ko-KR" altLang="en-US" sz="1000" b="1" dirty="0">
-                          <a:solidFill>
-                            <a:srgbClr val="C00000"/>
-                          </a:solidFill>
-                          <a:latin typeface="+mj-ea"/>
-                          <a:ea typeface="+mj-ea"/>
-                        </a:rPr>
-                        <a:t>기본 공격 버그 발견</a:t>
+                        <a:t>움직임시 공격 버그 발견</a:t>
                       </a:r>
                       <a:endParaRPr lang="en-US" altLang="ko-KR" sz="1000" b="1" dirty="0">
                         <a:solidFill>
@@ -14879,7 +14857,7 @@
                           <a:latin typeface="+mj-ea"/>
                           <a:ea typeface="+mj-ea"/>
                         </a:rPr>
-                        <a:t>70%</a:t>
+                        <a:t>80%</a:t>
                       </a:r>
                     </a:p>
                   </a:txBody>
@@ -15081,7 +15059,7 @@
                       <a:r>
                         <a:rPr lang="ko-KR" altLang="en-US" sz="1000" b="1" dirty="0">
                           <a:solidFill>
-                            <a:schemeClr val="tx1"/>
+                            <a:srgbClr val="FF0000"/>
                           </a:solidFill>
                           <a:latin typeface="+mj-ea"/>
                           <a:ea typeface="+mj-ea"/>
@@ -15317,7 +15295,7 @@
                           <a:latin typeface="+mj-ea"/>
                           <a:ea typeface="+mj-ea"/>
                         </a:rPr>
-                        <a:t>20%</a:t>
+                        <a:t>50%</a:t>
                       </a:r>
                     </a:p>
                   </a:txBody>
@@ -15373,7 +15351,7 @@
                   </a:ext>
                 </a:extLst>
               </a:tr>
-              <a:tr h="655351">
+              <a:tr h="657335">
                 <a:tc>
                   <a:txBody>
                     <a:bodyPr/>
@@ -15727,13 +15705,134 @@
                     <a:bodyPr/>
                     <a:lstStyle/>
                     <a:p>
-                      <a:pPr latinLnBrk="1"/>
-                      <a:endParaRPr lang="en-US" altLang="ko-KR" sz="1000" b="1" dirty="0">
+                      <a:pPr marL="0" indent="0" latinLnBrk="1">
+                        <a:buNone/>
+                      </a:pPr>
+                      <a:r>
+                        <a:rPr lang="ko-KR" altLang="en-US" sz="1000" b="1" kern="1200" dirty="0">
+                          <a:solidFill>
+                            <a:srgbClr val="C00000"/>
+                          </a:solidFill>
+                          <a:latin typeface="+mj-ea"/>
+                          <a:ea typeface="+mn-ea"/>
+                          <a:cs typeface="+mn-cs"/>
+                        </a:rPr>
+                        <a:t>애니메이션 구현 완료</a:t>
+                      </a:r>
+                      <a:endParaRPr lang="en-US" altLang="ko-KR" sz="1000" b="1" kern="1200" dirty="0">
                         <a:solidFill>
-                          <a:schemeClr val="tx1"/>
+                          <a:srgbClr val="C00000"/>
                         </a:solidFill>
                         <a:latin typeface="+mj-ea"/>
-                        <a:ea typeface="+mj-ea"/>
+                        <a:ea typeface="+mn-ea"/>
+                        <a:cs typeface="+mn-cs"/>
+                      </a:endParaRPr>
+                    </a:p>
+                    <a:p>
+                      <a:pPr marL="0" indent="0" latinLnBrk="1">
+                        <a:buNone/>
+                      </a:pPr>
+                      <a:r>
+                        <a:rPr lang="ko-KR" altLang="en-US" sz="1000" b="1" kern="1200" dirty="0">
+                          <a:solidFill>
+                            <a:srgbClr val="C00000"/>
+                          </a:solidFill>
+                          <a:latin typeface="+mj-ea"/>
+                          <a:ea typeface="+mn-ea"/>
+                          <a:cs typeface="+mn-cs"/>
+                        </a:rPr>
+                        <a:t>충돌 구현 완료</a:t>
+                      </a:r>
+                      <a:endParaRPr lang="en-US" altLang="ko-KR" sz="1000" b="1" kern="1200" dirty="0">
+                        <a:solidFill>
+                          <a:srgbClr val="C00000"/>
+                        </a:solidFill>
+                        <a:latin typeface="+mj-ea"/>
+                        <a:ea typeface="+mn-ea"/>
+                        <a:cs typeface="+mn-cs"/>
+                      </a:endParaRPr>
+                    </a:p>
+                    <a:p>
+                      <a:pPr marL="0" indent="0" latinLnBrk="1">
+                        <a:buNone/>
+                      </a:pPr>
+                      <a:r>
+                        <a:rPr lang="ko-KR" altLang="en-US" sz="1000" b="1" kern="1200" dirty="0">
+                          <a:solidFill>
+                            <a:srgbClr val="C00000"/>
+                          </a:solidFill>
+                          <a:latin typeface="+mj-ea"/>
+                          <a:ea typeface="+mn-ea"/>
+                          <a:cs typeface="+mn-cs"/>
+                        </a:rPr>
+                        <a:t>근거리 공격 </a:t>
+                      </a:r>
+                      <a:r>
+                        <a:rPr lang="ko-KR" altLang="en-US" sz="1000" b="1" kern="1200" dirty="0" err="1">
+                          <a:solidFill>
+                            <a:srgbClr val="C00000"/>
+                          </a:solidFill>
+                          <a:latin typeface="+mj-ea"/>
+                          <a:ea typeface="+mn-ea"/>
+                          <a:cs typeface="+mn-cs"/>
+                        </a:rPr>
+                        <a:t>미구현</a:t>
+                      </a:r>
+                      <a:endParaRPr lang="en-US" altLang="ko-KR" sz="1000" b="1" kern="1200" dirty="0">
+                        <a:solidFill>
+                          <a:srgbClr val="C00000"/>
+                        </a:solidFill>
+                        <a:latin typeface="+mj-ea"/>
+                        <a:ea typeface="+mn-ea"/>
+                        <a:cs typeface="+mn-cs"/>
+                      </a:endParaRPr>
+                    </a:p>
+                    <a:p>
+                      <a:pPr marL="0" indent="0" latinLnBrk="1">
+                        <a:buNone/>
+                      </a:pPr>
+                      <a:r>
+                        <a:rPr lang="ko-KR" altLang="en-US" sz="1000" b="1" kern="1200" dirty="0">
+                          <a:solidFill>
+                            <a:srgbClr val="C00000"/>
+                          </a:solidFill>
+                          <a:latin typeface="+mj-ea"/>
+                          <a:ea typeface="+mn-ea"/>
+                          <a:cs typeface="+mn-cs"/>
+                        </a:rPr>
+                        <a:t>원거리 공격 버그 발견</a:t>
+                      </a:r>
+                      <a:endParaRPr lang="en-US" altLang="ko-KR" sz="1000" b="1" kern="1200" dirty="0">
+                        <a:solidFill>
+                          <a:srgbClr val="C00000"/>
+                        </a:solidFill>
+                        <a:latin typeface="+mj-ea"/>
+                        <a:ea typeface="+mn-ea"/>
+                        <a:cs typeface="+mn-cs"/>
+                      </a:endParaRPr>
+                    </a:p>
+                    <a:p>
+                      <a:pPr marL="0" indent="0" latinLnBrk="1">
+                        <a:buNone/>
+                      </a:pPr>
+                      <a:r>
+                        <a:rPr lang="ko-KR" altLang="en-US" sz="1000" b="1" kern="1200" dirty="0">
+                          <a:solidFill>
+                            <a:srgbClr val="C00000"/>
+                          </a:solidFill>
+                          <a:latin typeface="+mj-ea"/>
+                          <a:ea typeface="+mn-ea"/>
+                          <a:cs typeface="+mn-cs"/>
+                        </a:rPr>
+                        <a:t>일정 지형 움직임 구현 완료</a:t>
+                      </a:r>
+                      <a:endParaRPr lang="en-US" altLang="ko-KR" sz="1000" b="1" kern="1200" dirty="0">
+                        <a:solidFill>
+                          <a:srgbClr val="C00000"/>
+                        </a:solidFill>
+                        <a:latin typeface="+mj-ea"/>
+                        <a:ea typeface="+mn-ea"/>
+                        <a:cs typeface="+mn-cs"/>
                       </a:endParaRPr>
                     </a:p>
                   </a:txBody>
@@ -15788,14 +15887,17 @@
                     <a:bodyPr/>
                     <a:lstStyle/>
                     <a:p>
-                      <a:pPr latinLnBrk="1"/>
-                      <a:endParaRPr lang="en-US" altLang="ko-KR" sz="1000" b="1" dirty="0">
-                        <a:solidFill>
-                          <a:schemeClr val="tx1"/>
-                        </a:solidFill>
-                        <a:latin typeface="+mj-ea"/>
-                        <a:ea typeface="+mj-ea"/>
-                      </a:endParaRPr>
+                      <a:pPr algn="ctr" latinLnBrk="1"/>
+                      <a:r>
+                        <a:rPr lang="en-US" altLang="ko-KR" sz="1000" b="1" dirty="0">
+                          <a:solidFill>
+                            <a:schemeClr val="tx1"/>
+                          </a:solidFill>
+                          <a:latin typeface="+mj-ea"/>
+                          <a:ea typeface="+mj-ea"/>
+                        </a:rPr>
+                        <a:t>60%</a:t>
+                      </a:r>
                     </a:p>
                   </a:txBody>
                   <a:tcPr anchor="ctr">
@@ -16132,17 +16234,67 @@
                     <a:bodyPr/>
                     <a:lstStyle/>
                     <a:p>
-                      <a:pPr marL="0" indent="0" latinLnBrk="1">
+                      <a:pPr marL="0" marR="0" lvl="0" indent="0" algn="l" defTabSz="914400" rtl="0" eaLnBrk="1" fontAlgn="auto" latinLnBrk="1" hangingPunct="1">
+                        <a:lnSpc>
+                          <a:spcPct val="100000"/>
+                        </a:lnSpc>
+                        <a:spcBef>
+                          <a:spcPts val="0"/>
+                        </a:spcBef>
+                        <a:spcAft>
+                          <a:spcPts val="0"/>
+                        </a:spcAft>
+                        <a:buClrTx/>
+                        <a:buSzTx/>
+                        <a:buFontTx/>
                         <a:buNone/>
+                        <a:tabLst/>
+                        <a:defRPr/>
                       </a:pPr>
-                      <a:endParaRPr lang="ko-KR" altLang="en-US" sz="1000" b="1" kern="1200" dirty="0">
-                        <a:solidFill>
-                          <a:schemeClr val="tx1"/>
-                        </a:solidFill>
-                        <a:latin typeface="+mj-ea"/>
-                        <a:ea typeface="+mn-ea"/>
-                        <a:cs typeface="+mn-cs"/>
-                      </a:endParaRPr>
+                      <a:r>
+                        <a:rPr lang="ko-KR" altLang="en-US" sz="1000" b="1" kern="1200" dirty="0">
+                          <a:solidFill>
+                            <a:srgbClr val="C00000"/>
+                          </a:solidFill>
+                          <a:latin typeface="+mj-ea"/>
+                          <a:ea typeface="+mn-ea"/>
+                          <a:cs typeface="+mn-cs"/>
+                        </a:rPr>
+                        <a:t>점프 추가</a:t>
+                      </a:r>
+                      <a:r>
+                        <a:rPr lang="en-US" altLang="ko-KR" sz="1000" b="1" kern="1200" dirty="0">
+                          <a:solidFill>
+                            <a:srgbClr val="C00000"/>
+                          </a:solidFill>
+                          <a:latin typeface="+mj-ea"/>
+                          <a:ea typeface="+mn-ea"/>
+                          <a:cs typeface="+mn-cs"/>
+                        </a:rPr>
+                        <a:t>(</a:t>
+                      </a:r>
+                      <a:r>
+                        <a:rPr lang="ko-KR" altLang="en-US" sz="1000" b="1" kern="1200" dirty="0">
+                          <a:solidFill>
+                            <a:srgbClr val="C00000"/>
+                          </a:solidFill>
+                          <a:latin typeface="+mj-ea"/>
+                          <a:ea typeface="+mn-ea"/>
+                          <a:cs typeface="+mn-cs"/>
+                        </a:rPr>
+                        <a:t>미흡</a:t>
+                      </a:r>
+                      <a:r>
+                        <a:rPr lang="en-US" altLang="ko-KR" sz="1000" b="1" kern="1200" dirty="0">
+                          <a:solidFill>
+                            <a:srgbClr val="C00000"/>
+                          </a:solidFill>
+                          <a:latin typeface="+mj-ea"/>
+                          <a:ea typeface="+mn-ea"/>
+                          <a:cs typeface="+mn-cs"/>
+                        </a:rPr>
+                        <a:t>)</a:t>
+                      </a:r>
                     </a:p>
                   </a:txBody>
                   <a:tcPr anchor="ctr">
@@ -16196,9 +16348,20 @@
                     <a:bodyPr/>
                     <a:lstStyle/>
                     <a:p>
-                      <a:pPr marL="0" indent="0" latinLnBrk="1">
+                      <a:pPr marL="0" indent="0" algn="ctr" latinLnBrk="1">
                         <a:buNone/>
                       </a:pPr>
+                      <a:r>
+                        <a:rPr lang="en-US" altLang="ko-KR" sz="1000" b="1" kern="1200" dirty="0">
+                          <a:solidFill>
+                            <a:schemeClr val="tx1"/>
+                          </a:solidFill>
+                          <a:latin typeface="+mj-ea"/>
+                          <a:ea typeface="+mn-ea"/>
+                          <a:cs typeface="+mn-cs"/>
+                        </a:rPr>
+                        <a:t>70%</a:t>
+                      </a:r>
                       <a:endParaRPr lang="ko-KR" altLang="en-US" sz="1000" b="1" kern="1200" dirty="0">
                         <a:solidFill>
                           <a:schemeClr val="tx1"/>
@@ -16525,15 +16688,139 @@
                     <a:bodyPr/>
                     <a:lstStyle/>
                     <a:p>
-                      <a:pPr marL="0" indent="0" latinLnBrk="1">
+                      <a:pPr marL="0" marR="0" lvl="0" indent="0" algn="l" defTabSz="914400" rtl="0" eaLnBrk="1" fontAlgn="auto" latinLnBrk="1" hangingPunct="1">
+                        <a:lnSpc>
+                          <a:spcPct val="100000"/>
+                        </a:lnSpc>
+                        <a:spcBef>
+                          <a:spcPts val="0"/>
+                        </a:spcBef>
+                        <a:spcAft>
+                          <a:spcPts val="0"/>
+                        </a:spcAft>
+                        <a:buClrTx/>
+                        <a:buSzTx/>
+                        <a:buFontTx/>
                         <a:buNone/>
+                        <a:tabLst/>
+                        <a:defRPr/>
                       </a:pPr>
-                      <a:endParaRPr lang="ko-KR" altLang="en-US" sz="1000" b="1" dirty="0">
+                      <a:r>
+                        <a:rPr lang="ko-KR" altLang="en-US" sz="1000" b="1" kern="1200" dirty="0">
+                          <a:solidFill>
+                            <a:srgbClr val="C00000"/>
+                          </a:solidFill>
+                          <a:latin typeface="+mj-ea"/>
+                          <a:ea typeface="+mn-ea"/>
+                          <a:cs typeface="+mn-cs"/>
+                        </a:rPr>
+                        <a:t>보스 애니메이션 구현 완료</a:t>
+                      </a:r>
+                      <a:endParaRPr lang="en-US" altLang="ko-KR" sz="1000" b="1" kern="1200" dirty="0">
                         <a:solidFill>
-                          <a:schemeClr val="tx1"/>
+                          <a:srgbClr val="C00000"/>
                         </a:solidFill>
                         <a:latin typeface="+mj-ea"/>
-                        <a:ea typeface="+mj-ea"/>
+                        <a:ea typeface="+mn-ea"/>
+                        <a:cs typeface="+mn-cs"/>
+                      </a:endParaRPr>
+                    </a:p>
+                    <a:p>
+                      <a:pPr marL="0" marR="0" lvl="0" indent="0" algn="l" defTabSz="914400" rtl="0" eaLnBrk="1" fontAlgn="auto" latinLnBrk="1" hangingPunct="1">
+                        <a:lnSpc>
+                          <a:spcPct val="100000"/>
+                        </a:lnSpc>
+                        <a:spcBef>
+                          <a:spcPts val="0"/>
+                        </a:spcBef>
+                        <a:spcAft>
+                          <a:spcPts val="0"/>
+                        </a:spcAft>
+                        <a:buClrTx/>
+                        <a:buSzTx/>
+                        <a:buFontTx/>
+                        <a:buNone/>
+                        <a:tabLst/>
+                        <a:defRPr/>
+                      </a:pPr>
+                      <a:r>
+                        <a:rPr lang="ko-KR" altLang="en-US" sz="1000" b="1" kern="1200" dirty="0">
+                          <a:solidFill>
+                            <a:srgbClr val="C00000"/>
+                          </a:solidFill>
+                          <a:latin typeface="+mj-ea"/>
+                          <a:ea typeface="+mn-ea"/>
+                          <a:cs typeface="+mn-cs"/>
+                        </a:rPr>
+                        <a:t>다음 스테이지 이동 </a:t>
+                      </a:r>
+                      <a:r>
+                        <a:rPr lang="ko-KR" altLang="en-US" sz="1000" b="1" kern="1200" dirty="0" err="1">
+                          <a:solidFill>
+                            <a:srgbClr val="C00000"/>
+                          </a:solidFill>
+                          <a:latin typeface="+mj-ea"/>
+                          <a:ea typeface="+mn-ea"/>
+                          <a:cs typeface="+mn-cs"/>
+                        </a:rPr>
+                        <a:t>미구현</a:t>
+                      </a:r>
+                      <a:endParaRPr lang="en-US" altLang="ko-KR" sz="1000" b="1" kern="1200" dirty="0">
+                        <a:solidFill>
+                          <a:srgbClr val="C00000"/>
+                        </a:solidFill>
+                        <a:latin typeface="+mj-ea"/>
+                        <a:ea typeface="+mn-ea"/>
+                        <a:cs typeface="+mn-cs"/>
+                      </a:endParaRPr>
+                    </a:p>
+                    <a:p>
+                      <a:pPr marL="0" marR="0" lvl="0" indent="0" algn="l" defTabSz="914400" rtl="0" eaLnBrk="1" fontAlgn="auto" latinLnBrk="1" hangingPunct="1">
+                        <a:lnSpc>
+                          <a:spcPct val="100000"/>
+                        </a:lnSpc>
+                        <a:spcBef>
+                          <a:spcPts val="0"/>
+                        </a:spcBef>
+                        <a:spcAft>
+                          <a:spcPts val="0"/>
+                        </a:spcAft>
+                        <a:buClrTx/>
+                        <a:buSzTx/>
+                        <a:buFontTx/>
+                        <a:buNone/>
+                        <a:tabLst/>
+                        <a:defRPr/>
+                      </a:pPr>
+                      <a:r>
+                        <a:rPr lang="ko-KR" altLang="en-US" sz="1000" b="1" kern="1200" dirty="0">
+                          <a:solidFill>
+                            <a:srgbClr val="C00000"/>
+                          </a:solidFill>
+                          <a:latin typeface="+mj-ea"/>
+                          <a:ea typeface="+mn-ea"/>
+                          <a:cs typeface="+mn-cs"/>
+                        </a:rPr>
+                        <a:t>보스 공격 </a:t>
+                      </a:r>
+                      <a:r>
+                        <a:rPr lang="ko-KR" altLang="en-US" sz="1000" b="1" kern="1200" dirty="0" err="1">
+                          <a:solidFill>
+                            <a:srgbClr val="C00000"/>
+                          </a:solidFill>
+                          <a:latin typeface="+mj-ea"/>
+                          <a:ea typeface="+mn-ea"/>
+                          <a:cs typeface="+mn-cs"/>
+                        </a:rPr>
+                        <a:t>미구현</a:t>
+                      </a:r>
+                      <a:endParaRPr lang="en-US" altLang="ko-KR" sz="1000" b="1" kern="1200" dirty="0">
+                        <a:solidFill>
+                          <a:srgbClr val="C00000"/>
+                        </a:solidFill>
+                        <a:latin typeface="+mj-ea"/>
+                        <a:ea typeface="+mn-ea"/>
+                        <a:cs typeface="+mn-cs"/>
                       </a:endParaRPr>
                     </a:p>
                   </a:txBody>
@@ -16586,9 +16873,19 @@
                     <a:bodyPr/>
                     <a:lstStyle/>
                     <a:p>
-                      <a:pPr marL="0" indent="0" latinLnBrk="1">
+                      <a:pPr marL="0" indent="0" algn="ctr" latinLnBrk="1">
                         <a:buNone/>
                       </a:pPr>
+                      <a:r>
+                        <a:rPr lang="en-US" altLang="ko-KR" sz="1000" b="1" dirty="0">
+                          <a:solidFill>
+                            <a:schemeClr val="tx1"/>
+                          </a:solidFill>
+                          <a:latin typeface="+mj-ea"/>
+                          <a:ea typeface="+mj-ea"/>
+                        </a:rPr>
+                        <a:t>40%</a:t>
+                      </a:r>
                       <a:endParaRPr lang="ko-KR" altLang="en-US" sz="1000" b="1" dirty="0">
                         <a:solidFill>
                           <a:schemeClr val="tx1"/>
@@ -17001,16 +17298,19 @@
                     <a:bodyPr/>
                     <a:lstStyle/>
                     <a:p>
-                      <a:pPr marL="0" indent="0" latinLnBrk="1">
+                      <a:pPr marL="0" indent="0" algn="ctr" latinLnBrk="1">
                         <a:buNone/>
                       </a:pPr>
-                      <a:endParaRPr lang="en-US" altLang="ko-KR" sz="1000" b="1" dirty="0">
-                        <a:solidFill>
-                          <a:schemeClr val="tx1"/>
-                        </a:solidFill>
-                        <a:latin typeface="+mj-ea"/>
-                        <a:ea typeface="+mj-ea"/>
-                      </a:endParaRPr>
+                      <a:r>
+                        <a:rPr lang="en-US" altLang="ko-KR" sz="1000" b="1" dirty="0">
+                          <a:solidFill>
+                            <a:schemeClr val="tx1"/>
+                          </a:solidFill>
+                          <a:latin typeface="+mj-ea"/>
+                          <a:ea typeface="+mj-ea"/>
+                        </a:rPr>
+                        <a:t>0%</a:t>
+                      </a:r>
                     </a:p>
                   </a:txBody>
                   <a:tcPr anchor="ctr">
@@ -17400,7 +17700,7 @@
                     <a:bodyPr/>
                     <a:lstStyle/>
                     <a:p>
-                      <a:pPr marL="0" indent="0" latinLnBrk="1">
+                      <a:pPr marL="0" indent="0" algn="ctr" latinLnBrk="1">
                         <a:buNone/>
                       </a:pPr>
                       <a:endParaRPr lang="en-US" altLang="ko-KR" sz="1000" b="1" dirty="0">
@@ -17540,7 +17840,23 @@
                     <a:bodyPr/>
                     <a:lstStyle/>
                     <a:p>
-                      <a:pPr algn="ctr" latinLnBrk="1"/>
+                      <a:pPr marL="0" marR="0" lvl="0" indent="0" algn="ctr" defTabSz="914400" rtl="0" eaLnBrk="1" fontAlgn="auto" latinLnBrk="1" hangingPunct="1">
+                        <a:lnSpc>
+                          <a:spcPct val="100000"/>
+                        </a:lnSpc>
+                        <a:spcBef>
+                          <a:spcPts val="0"/>
+                        </a:spcBef>
+                        <a:spcAft>
+                          <a:spcPts val="0"/>
+                        </a:spcAft>
+                        <a:buClrTx/>
+                        <a:buSzTx/>
+                        <a:buFontTx/>
+                        <a:buNone/>
+                        <a:tabLst/>
+                        <a:defRPr/>
+                      </a:pPr>
                       <a:r>
                         <a:rPr lang="ko-KR" altLang="en-US" sz="1000" b="1" dirty="0">
                           <a:solidFill>
@@ -17561,6 +17877,46 @@
                         </a:rPr>
                         <a:t>&amp; </a:t>
                       </a:r>
+                      <a:r>
+                        <a:rPr lang="ko-KR" altLang="en-US" sz="1000" b="1" kern="1200" dirty="0">
+                          <a:solidFill>
+                            <a:srgbClr val="FF0000"/>
+                          </a:solidFill>
+                          <a:latin typeface="+mj-ea"/>
+                          <a:ea typeface="+mn-ea"/>
+                          <a:cs typeface="+mn-cs"/>
+                        </a:rPr>
+                        <a:t>사운드</a:t>
+                      </a:r>
+                      <a:r>
+                        <a:rPr lang="ko-KR" altLang="en-US" sz="1000" b="1" kern="1200" dirty="0">
+                          <a:solidFill>
+                            <a:schemeClr val="tx1"/>
+                          </a:solidFill>
+                          <a:latin typeface="+mj-ea"/>
+                          <a:ea typeface="+mn-ea"/>
+                          <a:cs typeface="+mn-cs"/>
+                        </a:rPr>
+                        <a:t> </a:t>
+                      </a:r>
+                      <a:r>
+                        <a:rPr lang="en-US" altLang="ko-KR" sz="1000" b="1" kern="1200" dirty="0">
+                          <a:solidFill>
+                            <a:schemeClr val="tx1"/>
+                          </a:solidFill>
+                          <a:latin typeface="+mj-ea"/>
+                          <a:ea typeface="+mn-ea"/>
+                          <a:cs typeface="+mn-cs"/>
+                        </a:rPr>
+                        <a:t>&amp; </a:t>
+                      </a:r>
+                      <a:endParaRPr lang="en-US" altLang="ko-KR" sz="1000" b="1" dirty="0">
+                        <a:solidFill>
+                          <a:schemeClr val="tx1"/>
+                        </a:solidFill>
+                        <a:latin typeface="+mj-ea"/>
+                        <a:ea typeface="+mj-ea"/>
+                      </a:endParaRPr>
                     </a:p>
                     <a:p>
                       <a:pPr algn="ctr" latinLnBrk="1"/>
@@ -17792,7 +18148,7 @@
                     <a:bodyPr/>
                     <a:lstStyle/>
                     <a:p>
-                      <a:pPr marL="0" indent="0" latinLnBrk="1">
+                      <a:pPr marL="0" indent="0" algn="ctr" latinLnBrk="1">
                         <a:buNone/>
                       </a:pPr>
                       <a:endParaRPr lang="ko-KR" altLang="en-US" sz="1000" b="1" dirty="0">
@@ -18402,7 +18758,7 @@
             </a:r>
             <a:r>
               <a:rPr lang="en-US" altLang="ko-KR" sz="1500" b="1" dirty="0"/>
-              <a:t>: 40%</a:t>
+              <a:t>: 58%</a:t>
             </a:r>
             <a:endParaRPr lang="ko-KR" altLang="en-US" sz="1500" b="1" dirty="0"/>
           </a:p>
@@ -18440,10 +18796,10 @@
       </p:grpSpPr>
       <p:pic>
         <p:nvPicPr>
-          <p:cNvPr id="3" name="그림 2" descr="텍스트, 실내, 스크린샷, 어두운이(가) 표시된 사진&#10;&#10;자동 생성된 설명">
+          <p:cNvPr id="4" name="그림 3" descr="텍스트, 스크린샷, 모니터, 화면이(가) 표시된 사진&#10;&#10;자동 생성된 설명">
             <a:extLst>
               <a:ext uri="{FF2B5EF4-FFF2-40B4-BE49-F238E27FC236}">
-                <a16:creationId xmlns:a16="http://schemas.microsoft.com/office/drawing/2014/main" id="{3E5852E7-1D6D-8A8F-935B-F7BF58E98579}"/>
+                <a16:creationId xmlns:a16="http://schemas.microsoft.com/office/drawing/2014/main" id="{8B85BE41-8BCF-BAAA-01B8-CD0EE0CB5A57}"/>
               </a:ext>
             </a:extLst>
           </p:cNvPr>
@@ -18467,7 +18823,7 @@
         <p:spPr>
           <a:xfrm>
             <a:off x="0" y="0"/>
-            <a:ext cx="12192000" cy="6912243"/>
+            <a:ext cx="12192000" cy="6858000"/>
           </a:xfrm>
           <a:prstGeom prst="rect">
             <a:avLst/>
@@ -27749,7 +28105,7 @@
             </a:r>
             <a:r>
               <a:rPr lang="en-US" altLang="ko-KR" b="1" dirty="0"/>
-              <a:t>2</a:t>
+              <a:t>3</a:t>
             </a:r>
             <a:r>
               <a:rPr lang="ko-KR" altLang="en-US" b="1" dirty="0"/>
